--- a/reports/D2/damat/RunningExampleArch.pptx
+++ b/reports/D2/damat/RunningExampleArch.pptx
@@ -3158,45 +3158,6 @@
       </p:sp>
       <p:cxnSp>
         <p:nvCxnSpPr>
-          <p:cNvPr id="47" name="Straight Arrow Connector 46">
-            <a:extLst>
-              <a:ext uri="{FF2B5EF4-FFF2-40B4-BE49-F238E27FC236}">
-                <a16:creationId xmlns:a16="http://schemas.microsoft.com/office/drawing/2014/main" id="{7D7C517A-F585-3143-A0F9-8A71AD031F12}"/>
-              </a:ext>
-            </a:extLst>
-          </p:cNvPr>
-          <p:cNvCxnSpPr/>
-          <p:nvPr/>
-        </p:nvCxnSpPr>
-        <p:spPr>
-          <a:xfrm>
-            <a:off x="3286822" y="330553"/>
-            <a:ext cx="869093" cy="0"/>
-          </a:xfrm>
-          <a:prstGeom prst="straightConnector1">
-            <a:avLst/>
-          </a:prstGeom>
-          <a:ln w="38100">
-            <a:tailEnd type="triangle"/>
-          </a:ln>
-        </p:spPr>
-        <p:style>
-          <a:lnRef idx="1">
-            <a:schemeClr val="accent1"/>
-          </a:lnRef>
-          <a:fillRef idx="0">
-            <a:schemeClr val="accent1"/>
-          </a:fillRef>
-          <a:effectRef idx="0">
-            <a:schemeClr val="accent1"/>
-          </a:effectRef>
-          <a:fontRef idx="minor">
-            <a:schemeClr val="tx1"/>
-          </a:fontRef>
-        </p:style>
-      </p:cxnSp>
-      <p:cxnSp>
-        <p:nvCxnSpPr>
           <p:cNvPr id="48" name="Straight Arrow Connector 47">
             <a:extLst>
               <a:ext uri="{FF2B5EF4-FFF2-40B4-BE49-F238E27FC236}">
